--- a/Presentation/Presentation.pptx
+++ b/Presentation/Presentation.pptx
@@ -6391,7 +6391,7 @@
                 </a:solidFill>
                 <a:latin typeface="Cascadia Code"/>
               </a:rPr>
-              <a:t>.</a:t>
+              <a:t>..</a:t>
             </a:r>
             <a:r>
               <a:rPr>
@@ -6514,7 +6514,7 @@
               <a:rPr>
                 <a:latin typeface="Cascadia Code"/>
               </a:rPr>
-              <a:t>\README</a:t>
+              <a:t>\Presentation</a:t>
             </a:r>
             <a:r>
               <a:rPr>
@@ -6534,8 +6534,11 @@
               </a:rPr>
               <a:t>md</a:t>
             </a:r>
-            <a:br/>
-            <a:br/>
+          </a:p>
+          <a:p>
+            <a:pPr lvl="0" indent="0">
+              <a:buNone/>
+            </a:pPr>
             <a:r>
               <a:rPr>
                 <a:latin typeface="Cascadia Code"/>
@@ -6589,7 +6592,7 @@
                 </a:solidFill>
                 <a:latin typeface="Cascadia Code"/>
               </a:rPr>
-              <a:t>'.\README.md'</a:t>
+              <a:t>'.\Presentation.md'</a:t>
             </a:r>
             <a:br/>
             <a:r>
@@ -6653,7 +6656,7 @@
                 </a:solidFill>
                 <a:latin typeface="Cascadia Code"/>
               </a:rPr>
-              <a:t>'--reference-doc=.\Presentation\custom-reference.pptx'</a:t>
+              <a:t>'--reference-doc=.\custom-reference.pptx'</a:t>
             </a:r>
             <a:br/>
             <a:r>
@@ -6669,7 +6672,7 @@
                 </a:solidFill>
                 <a:latin typeface="Cascadia Code"/>
               </a:rPr>
-              <a:t>'--metadata-file=.\Presentation\Presentation.yaml'</a:t>
+              <a:t>'--metadata-file=.\Presentation.yaml'</a:t>
             </a:r>
             <a:br/>
             <a:r>
@@ -6701,7 +6704,7 @@
                 </a:solidFill>
                 <a:latin typeface="Cascadia Code"/>
               </a:rPr>
-              <a:t>'--output=.\Presentation\Presentation.pptx'</a:t>
+              <a:t>'--output=.\Presentation.pptx'</a:t>
             </a:r>
             <a:br/>
             <a:r>
